--- a/docs/diagrams/StatsSequenceDiagram.pptx
+++ b/docs/diagrams/StatsSequenceDiagram.pptx
@@ -208,7 +208,7 @@
           <a:p>
             <a:fld id="{F5CC4B3F-88C1-4FFA-B1B6-F41C21DC6924}" type="datetimeFigureOut">
               <a:rPr lang="en-US" smtClean="0"/>
-              <a:t>3/31/2019</a:t>
+              <a:t>4/13/2019</a:t>
             </a:fld>
             <a:endParaRPr lang="en-US"/>
           </a:p>
@@ -755,7 +755,7 @@
           <a:p>
             <a:fld id="{78C97017-6FC3-485B-9764-EAC9E56C1D49}" type="datetimeFigureOut">
               <a:rPr lang="en-US" smtClean="0"/>
-              <a:t>3/31/2019</a:t>
+              <a:t>4/13/2019</a:t>
             </a:fld>
             <a:endParaRPr lang="en-US"/>
           </a:p>
@@ -923,7 +923,7 @@
           <a:p>
             <a:fld id="{78C97017-6FC3-485B-9764-EAC9E56C1D49}" type="datetimeFigureOut">
               <a:rPr lang="en-US" smtClean="0"/>
-              <a:t>3/31/2019</a:t>
+              <a:t>4/13/2019</a:t>
             </a:fld>
             <a:endParaRPr lang="en-US"/>
           </a:p>
@@ -1101,7 +1101,7 @@
           <a:p>
             <a:fld id="{78C97017-6FC3-485B-9764-EAC9E56C1D49}" type="datetimeFigureOut">
               <a:rPr lang="en-US" smtClean="0"/>
-              <a:t>3/31/2019</a:t>
+              <a:t>4/13/2019</a:t>
             </a:fld>
             <a:endParaRPr lang="en-US"/>
           </a:p>
@@ -1269,7 +1269,7 @@
           <a:p>
             <a:fld id="{78C97017-6FC3-485B-9764-EAC9E56C1D49}" type="datetimeFigureOut">
               <a:rPr lang="en-US" smtClean="0"/>
-              <a:t>3/31/2019</a:t>
+              <a:t>4/13/2019</a:t>
             </a:fld>
             <a:endParaRPr lang="en-US"/>
           </a:p>
@@ -1514,7 +1514,7 @@
           <a:p>
             <a:fld id="{78C97017-6FC3-485B-9764-EAC9E56C1D49}" type="datetimeFigureOut">
               <a:rPr lang="en-US" smtClean="0"/>
-              <a:t>3/31/2019</a:t>
+              <a:t>4/13/2019</a:t>
             </a:fld>
             <a:endParaRPr lang="en-US"/>
           </a:p>
@@ -1799,7 +1799,7 @@
           <a:p>
             <a:fld id="{78C97017-6FC3-485B-9764-EAC9E56C1D49}" type="datetimeFigureOut">
               <a:rPr lang="en-US" smtClean="0"/>
-              <a:t>3/31/2019</a:t>
+              <a:t>4/13/2019</a:t>
             </a:fld>
             <a:endParaRPr lang="en-US"/>
           </a:p>
@@ -2218,7 +2218,7 @@
           <a:p>
             <a:fld id="{78C97017-6FC3-485B-9764-EAC9E56C1D49}" type="datetimeFigureOut">
               <a:rPr lang="en-US" smtClean="0"/>
-              <a:t>3/31/2019</a:t>
+              <a:t>4/13/2019</a:t>
             </a:fld>
             <a:endParaRPr lang="en-US"/>
           </a:p>
@@ -2335,7 +2335,7 @@
           <a:p>
             <a:fld id="{78C97017-6FC3-485B-9764-EAC9E56C1D49}" type="datetimeFigureOut">
               <a:rPr lang="en-US" smtClean="0"/>
-              <a:t>3/31/2019</a:t>
+              <a:t>4/13/2019</a:t>
             </a:fld>
             <a:endParaRPr lang="en-US"/>
           </a:p>
@@ -2430,7 +2430,7 @@
           <a:p>
             <a:fld id="{78C97017-6FC3-485B-9764-EAC9E56C1D49}" type="datetimeFigureOut">
               <a:rPr lang="en-US" smtClean="0"/>
-              <a:t>3/31/2019</a:t>
+              <a:t>4/13/2019</a:t>
             </a:fld>
             <a:endParaRPr lang="en-US"/>
           </a:p>
@@ -2705,7 +2705,7 @@
           <a:p>
             <a:fld id="{78C97017-6FC3-485B-9764-EAC9E56C1D49}" type="datetimeFigureOut">
               <a:rPr lang="en-US" smtClean="0"/>
-              <a:t>3/31/2019</a:t>
+              <a:t>4/13/2019</a:t>
             </a:fld>
             <a:endParaRPr lang="en-US"/>
           </a:p>
@@ -2957,7 +2957,7 @@
           <a:p>
             <a:fld id="{78C97017-6FC3-485B-9764-EAC9E56C1D49}" type="datetimeFigureOut">
               <a:rPr lang="en-US" smtClean="0"/>
-              <a:t>3/31/2019</a:t>
+              <a:t>4/13/2019</a:t>
             </a:fld>
             <a:endParaRPr lang="en-US"/>
           </a:p>
@@ -3168,7 +3168,7 @@
           <a:p>
             <a:fld id="{78C97017-6FC3-485B-9764-EAC9E56C1D49}" type="datetimeFigureOut">
               <a:rPr lang="en-US" smtClean="0"/>
-              <a:t>3/31/2019</a:t>
+              <a:t>4/13/2019</a:t>
             </a:fld>
             <a:endParaRPr lang="en-US"/>
           </a:p>
@@ -3557,8 +3557,8 @@
         </p:nvSpPr>
         <p:spPr>
           <a:xfrm>
-            <a:off x="9940291" y="304799"/>
-            <a:ext cx="2977513" cy="5965241"/>
+            <a:off x="10309279" y="170812"/>
+            <a:ext cx="1926183" cy="6582967"/>
           </a:xfrm>
           <a:prstGeom prst="roundRect">
             <a:avLst>
@@ -3622,8 +3622,8 @@
         </p:nvSpPr>
         <p:spPr>
           <a:xfrm>
-            <a:off x="8520846" y="279246"/>
-            <a:ext cx="1386763" cy="5965241"/>
+            <a:off x="8525426" y="145258"/>
+            <a:ext cx="1710363" cy="6649559"/>
           </a:xfrm>
           <a:prstGeom prst="roundRect">
             <a:avLst>
@@ -3683,8 +3683,8 @@
         </p:nvSpPr>
         <p:spPr>
           <a:xfrm>
-            <a:off x="497681" y="304800"/>
-            <a:ext cx="7964668" cy="5965241"/>
+            <a:off x="543087" y="145258"/>
+            <a:ext cx="7938149" cy="6649559"/>
           </a:xfrm>
           <a:prstGeom prst="roundRect">
             <a:avLst>
@@ -3805,8 +3805,8 @@
         </p:nvCxnSpPr>
         <p:spPr>
           <a:xfrm>
-            <a:off x="1630515" y="1042869"/>
-            <a:ext cx="0" cy="5149910"/>
+            <a:off x="1710911" y="1017442"/>
+            <a:ext cx="0" cy="6196131"/>
           </a:xfrm>
           <a:prstGeom prst="line">
             <a:avLst/>
@@ -3842,8 +3842,8 @@
         </p:nvSpPr>
         <p:spPr>
           <a:xfrm>
-            <a:off x="1558506" y="1393563"/>
-            <a:ext cx="169297" cy="4606253"/>
+            <a:off x="1558505" y="1393563"/>
+            <a:ext cx="250405" cy="5255199"/>
           </a:xfrm>
           <a:prstGeom prst="rect">
             <a:avLst/>
@@ -3929,6 +3929,9 @@
                 <a:solidFill>
                   <a:schemeClr val="bg1"/>
                 </a:solidFill>
+                <a:highlight>
+                  <a:srgbClr val="FF0000"/>
+                </a:highlight>
               </a:rPr>
               <a:t>:Address</a:t>
             </a:r>
@@ -3940,6 +3943,9 @@
                 <a:solidFill>
                   <a:schemeClr val="bg1"/>
                 </a:solidFill>
+                <a:highlight>
+                  <a:srgbClr val="FF0000"/>
+                </a:highlight>
               </a:rPr>
               <a:t>BookParser</a:t>
             </a:r>
@@ -3947,6 +3953,9 @@
               <a:solidFill>
                 <a:schemeClr val="bg1"/>
               </a:solidFill>
+              <a:highlight>
+                <a:srgbClr val="FF0000"/>
+              </a:highlight>
             </a:endParaRPr>
           </a:p>
         </p:txBody>
@@ -3960,9 +3969,9 @@
           <p:nvPr/>
         </p:nvCxnSpPr>
         <p:spPr>
-          <a:xfrm>
-            <a:off x="4070143" y="1042867"/>
-            <a:ext cx="0" cy="2160660"/>
+          <a:xfrm flipH="1">
+            <a:off x="4045712" y="1042867"/>
+            <a:ext cx="24431" cy="6348533"/>
           </a:xfrm>
           <a:prstGeom prst="line">
             <a:avLst/>
@@ -3998,8 +4007,8 @@
         </p:nvSpPr>
         <p:spPr>
           <a:xfrm>
-            <a:off x="3998138" y="1501064"/>
-            <a:ext cx="145571" cy="1004259"/>
+            <a:off x="3959079" y="1447800"/>
+            <a:ext cx="173266" cy="1048482"/>
           </a:xfrm>
           <a:prstGeom prst="rect">
             <a:avLst/>
@@ -4084,7 +4093,7 @@
         </p:nvSpPr>
         <p:spPr>
           <a:xfrm>
-            <a:off x="6284170" y="1895760"/>
+            <a:off x="6290634" y="1668091"/>
             <a:ext cx="138706" cy="357144"/>
           </a:xfrm>
           <a:prstGeom prst="rect">
@@ -4141,7 +4150,7 @@
           </a:prstGeom>
           <a:ln w="19050">
             <a:solidFill>
-              <a:srgbClr val="00B050"/>
+              <a:srgbClr val="0070C0"/>
             </a:solidFill>
             <a:tailEnd type="arrow"/>
           </a:ln>
@@ -4205,7 +4214,7 @@
         </p:nvCxnSpPr>
         <p:spPr>
           <a:xfrm flipV="1">
-            <a:off x="4155528" y="1622510"/>
+            <a:off x="4143936" y="1520174"/>
             <a:ext cx="1397357" cy="212"/>
           </a:xfrm>
           <a:prstGeom prst="straightConnector1">
@@ -4241,7 +4250,7 @@
         </p:nvSpPr>
         <p:spPr>
           <a:xfrm>
-            <a:off x="4243526" y="2971800"/>
+            <a:off x="4518188" y="2697782"/>
             <a:ext cx="855808" cy="215444"/>
           </a:xfrm>
           <a:prstGeom prst="rect">
@@ -4283,7 +4292,7 @@
         </p:nvCxnSpPr>
         <p:spPr>
           <a:xfrm>
-            <a:off x="4155528" y="2245486"/>
+            <a:off x="4124459" y="2007727"/>
             <a:ext cx="2155501" cy="0"/>
           </a:xfrm>
           <a:prstGeom prst="straightConnector1">
@@ -4323,7 +4332,7 @@
         </p:nvCxnSpPr>
         <p:spPr>
           <a:xfrm>
-            <a:off x="1716881" y="2514600"/>
+            <a:off x="1710911" y="2496282"/>
             <a:ext cx="2270334" cy="0"/>
           </a:xfrm>
           <a:prstGeom prst="straightConnector1">
@@ -4363,7 +4372,7 @@
         </p:nvCxnSpPr>
         <p:spPr>
           <a:xfrm>
-            <a:off x="362455" y="5939802"/>
+            <a:off x="400568" y="6623039"/>
             <a:ext cx="1196051" cy="0"/>
           </a:xfrm>
           <a:prstGeom prst="straightConnector1">
@@ -4427,12 +4436,8 @@
           </a:lstStyle>
           <a:p>
             <a:r>
-              <a:rPr lang="en-US" dirty="0" err="1"/>
-              <a:t>parseCommand</a:t>
-            </a:r>
-            <a:r>
               <a:rPr lang="en-US" dirty="0"/>
-              <a:t>(“stats”)</a:t>
+              <a:t>parseCommand(“stats”)</a:t>
             </a:r>
           </a:p>
         </p:txBody>
@@ -4445,7 +4450,7 @@
         </p:nvSpPr>
         <p:spPr>
           <a:xfrm>
-            <a:off x="10451805" y="4569854"/>
+            <a:off x="10498019" y="4770400"/>
             <a:ext cx="1475876" cy="335427"/>
           </a:xfrm>
           <a:prstGeom prst="rect">
@@ -4512,8 +4517,8 @@
         </p:nvSpPr>
         <p:spPr>
           <a:xfrm>
-            <a:off x="8642824" y="2505323"/>
-            <a:ext cx="841636" cy="300181"/>
+            <a:off x="8642823" y="2505324"/>
+            <a:ext cx="1532257" cy="269018"/>
           </a:xfrm>
           <a:prstGeom prst="rect">
             <a:avLst/>
@@ -4553,7 +4558,7 @@
                   <a:schemeClr val="bg1"/>
                 </a:solidFill>
               </a:rPr>
-              <a:t>: Model</a:t>
+              <a:t>: PlayerStatistics</a:t>
             </a:r>
             <a:endParaRPr lang="en-SG" sz="1600" dirty="0">
               <a:solidFill>
@@ -4573,8 +4578,8 @@
         </p:nvCxnSpPr>
         <p:spPr>
           <a:xfrm flipH="1">
-            <a:off x="9090868" y="2762786"/>
-            <a:ext cx="1" cy="3371739"/>
+            <a:off x="9398415" y="2713286"/>
+            <a:ext cx="9028" cy="4373314"/>
           </a:xfrm>
           <a:prstGeom prst="line">
             <a:avLst/>
@@ -4610,8 +4615,8 @@
         </p:nvSpPr>
         <p:spPr>
           <a:xfrm>
-            <a:off x="8991513" y="3247636"/>
-            <a:ext cx="155966" cy="562364"/>
+            <a:off x="9344038" y="3276600"/>
+            <a:ext cx="179136" cy="414827"/>
           </a:xfrm>
           <a:prstGeom prst="rect">
             <a:avLst/>
@@ -4660,7 +4665,7 @@
         <p:spPr>
           <a:xfrm>
             <a:off x="6441281" y="3276599"/>
-            <a:ext cx="2529873" cy="0"/>
+            <a:ext cx="2937036" cy="10820"/>
           </a:xfrm>
           <a:prstGeom prst="straightConnector1">
             <a:avLst/>
@@ -4695,8 +4700,8 @@
         </p:nvSpPr>
         <p:spPr>
           <a:xfrm>
-            <a:off x="5552885" y="1316853"/>
-            <a:ext cx="1609838" cy="578958"/>
+            <a:off x="5552884" y="1316853"/>
+            <a:ext cx="1650371" cy="357143"/>
           </a:xfrm>
           <a:prstGeom prst="rect">
             <a:avLst/>
@@ -4736,15 +4741,7 @@
                   <a:schemeClr val="bg1"/>
                 </a:solidFill>
               </a:rPr>
-              <a:t>:</a:t>
-            </a:r>
-            <a:r>
-              <a:rPr lang="en-US" sz="1600" dirty="0" err="1">
-                <a:solidFill>
-                  <a:schemeClr val="bg1"/>
-                </a:solidFill>
-              </a:rPr>
-              <a:t>StatsCommand</a:t>
+              <a:t>:StatsCommand</a:t>
             </a:r>
             <a:endParaRPr lang="en-SG" sz="1600" dirty="0">
               <a:solidFill>
@@ -4769,9 +4766,9 @@
           <p:nvPr/>
         </p:nvCxnSpPr>
         <p:spPr>
-          <a:xfrm flipV="1">
-            <a:off x="1727807" y="3154145"/>
-            <a:ext cx="4527931" cy="45766"/>
+          <a:xfrm>
+            <a:off x="1672518" y="2890740"/>
+            <a:ext cx="4607442" cy="0"/>
           </a:xfrm>
           <a:prstGeom prst="straightConnector1">
             <a:avLst/>
@@ -4813,9 +4810,9 @@
           <p:nvPr/>
         </p:nvCxnSpPr>
         <p:spPr>
-          <a:xfrm>
-            <a:off x="1727806" y="1499176"/>
-            <a:ext cx="2256706" cy="1"/>
+          <a:xfrm flipV="1">
+            <a:off x="1793559" y="1449203"/>
+            <a:ext cx="2193656" cy="15114"/>
           </a:xfrm>
           <a:prstGeom prst="straightConnector1">
             <a:avLst/>
@@ -4858,7 +4855,7 @@
         </p:nvCxnSpPr>
         <p:spPr>
           <a:xfrm>
-            <a:off x="6453028" y="5670047"/>
+            <a:off x="6469487" y="6321781"/>
             <a:ext cx="1236429" cy="0"/>
           </a:xfrm>
           <a:prstGeom prst="straightConnector1">
@@ -4905,8 +4902,8 @@
         </p:nvCxnSpPr>
         <p:spPr>
           <a:xfrm flipH="1">
-            <a:off x="11189742" y="4905281"/>
-            <a:ext cx="1" cy="1229244"/>
+            <a:off x="11228008" y="5105827"/>
+            <a:ext cx="7949" cy="2121036"/>
           </a:xfrm>
           <a:prstGeom prst="line">
             <a:avLst/>
@@ -4942,7 +4939,7 @@
         </p:nvSpPr>
         <p:spPr>
           <a:xfrm>
-            <a:off x="11556974" y="5002294"/>
+            <a:off x="11603336" y="5172875"/>
             <a:ext cx="1157705" cy="184666"/>
           </a:xfrm>
           <a:prstGeom prst="rect">
@@ -5000,8 +4997,8 @@
         </p:nvCxnSpPr>
         <p:spPr>
           <a:xfrm>
-            <a:off x="6453028" y="5060130"/>
-            <a:ext cx="4655340" cy="0"/>
+            <a:off x="6453028" y="5571146"/>
+            <a:ext cx="4718143" cy="24077"/>
           </a:xfrm>
           <a:prstGeom prst="straightConnector1">
             <a:avLst/>
@@ -5041,8 +5038,8 @@
         </p:nvSpPr>
         <p:spPr>
           <a:xfrm>
-            <a:off x="6279960" y="3083724"/>
-            <a:ext cx="160055" cy="2787488"/>
+            <a:off x="6267047" y="2890739"/>
+            <a:ext cx="193342" cy="3584051"/>
           </a:xfrm>
           <a:prstGeom prst="rect">
             <a:avLst/>
@@ -5094,7 +5091,7 @@
         </p:nvSpPr>
         <p:spPr>
           <a:xfrm>
-            <a:off x="6259079" y="5919226"/>
+            <a:off x="6211085" y="6492298"/>
             <a:ext cx="258402" cy="261482"/>
           </a:xfrm>
           <a:prstGeom prst="rect">
@@ -5159,12 +5156,8 @@
           </a:lstStyle>
           <a:p>
             <a:r>
-              <a:rPr lang="en-US" dirty="0" err="1"/>
-              <a:t>getPlayerStats</a:t>
-            </a:r>
-            <a:r>
               <a:rPr lang="en-US" dirty="0"/>
-              <a:t>()</a:t>
+              <a:t>getPlayerStats()</a:t>
             </a:r>
           </a:p>
         </p:txBody>
@@ -5185,8 +5178,8 @@
         </p:nvCxnSpPr>
         <p:spPr>
           <a:xfrm>
-            <a:off x="6453028" y="4569509"/>
-            <a:ext cx="2579053" cy="0"/>
+            <a:off x="6453028" y="4670835"/>
+            <a:ext cx="2872148" cy="0"/>
           </a:xfrm>
           <a:prstGeom prst="straightConnector1">
             <a:avLst/>
@@ -5230,9 +5223,9 @@
           <p:nvPr/>
         </p:nvCxnSpPr>
         <p:spPr>
-          <a:xfrm flipV="1">
-            <a:off x="6441281" y="3713067"/>
-            <a:ext cx="2626432" cy="6347"/>
+          <a:xfrm>
+            <a:off x="6440015" y="3693907"/>
+            <a:ext cx="2960448" cy="1"/>
           </a:xfrm>
           <a:prstGeom prst="straightConnector1">
             <a:avLst/>
@@ -5275,10 +5268,10 @@
         </p:nvGrpSpPr>
         <p:grpSpPr>
           <a:xfrm>
-            <a:off x="6353523" y="5172875"/>
-            <a:ext cx="2017686" cy="839387"/>
-            <a:chOff x="13874307" y="4659447"/>
-            <a:chExt cx="2017686" cy="839387"/>
+            <a:off x="6340118" y="5603229"/>
+            <a:ext cx="2098168" cy="1045533"/>
+            <a:chOff x="13876547" y="5116008"/>
+            <a:chExt cx="2098168" cy="1045533"/>
           </a:xfrm>
         </p:grpSpPr>
         <p:sp>
@@ -5295,7 +5288,7 @@
           </p:nvSpPr>
           <p:spPr>
             <a:xfrm>
-              <a:off x="14256889" y="4659447"/>
+              <a:off x="14339611" y="5331132"/>
               <a:ext cx="1635104" cy="308233"/>
             </a:xfrm>
             <a:prstGeom prst="rect">
@@ -5336,15 +5329,7 @@
                     <a:schemeClr val="bg1"/>
                   </a:solidFill>
                 </a:rPr>
-                <a:t>:</a:t>
-              </a:r>
-              <a:r>
-                <a:rPr lang="en-US" sz="1600" dirty="0" err="1">
-                  <a:solidFill>
-                    <a:schemeClr val="bg1"/>
-                  </a:solidFill>
-                </a:rPr>
-                <a:t>CommandResult</a:t>
+                <a:t>:CommandResult</a:t>
               </a:r>
               <a:endParaRPr lang="en-SG" sz="1600" dirty="0">
                 <a:solidFill>
@@ -5368,7 +5353,7 @@
           </p:nvSpPr>
           <p:spPr>
             <a:xfrm>
-              <a:off x="14998240" y="4967681"/>
+              <a:off x="15061109" y="5617651"/>
               <a:ext cx="212001" cy="233401"/>
             </a:xfrm>
             <a:prstGeom prst="rect">
@@ -5423,8 +5408,8 @@
           </p:nvCxnSpPr>
           <p:spPr>
             <a:xfrm flipV="1">
-              <a:off x="13874307" y="5097862"/>
-              <a:ext cx="0" cy="400972"/>
+              <a:off x="13876547" y="5116008"/>
+              <a:ext cx="45032" cy="1045533"/>
             </a:xfrm>
             <a:prstGeom prst="line">
               <a:avLst/>
@@ -5469,8 +5454,8 @@
         </p:nvCxnSpPr>
         <p:spPr>
           <a:xfrm>
-            <a:off x="6427816" y="5423699"/>
-            <a:ext cx="318265" cy="0"/>
+            <a:off x="6429340" y="5939802"/>
+            <a:ext cx="389487" cy="0"/>
           </a:xfrm>
           <a:prstGeom prst="straightConnector1">
             <a:avLst/>
@@ -5508,14 +5493,13 @@
           </p:cNvPr>
           <p:cNvCxnSpPr>
             <a:cxnSpLocks/>
-            <a:endCxn id="65" idx="2"/>
           </p:cNvCxnSpPr>
           <p:nvPr/>
         </p:nvCxnSpPr>
         <p:spPr>
-          <a:xfrm flipV="1">
-            <a:off x="1710911" y="5871212"/>
-            <a:ext cx="4649077" cy="6"/>
+          <a:xfrm>
+            <a:off x="1793081" y="6467988"/>
+            <a:ext cx="4534710" cy="6802"/>
           </a:xfrm>
           <a:prstGeom prst="straightConnector1">
             <a:avLst/>
@@ -5560,8 +5544,8 @@
         </p:nvCxnSpPr>
         <p:spPr>
           <a:xfrm>
-            <a:off x="6392101" y="4044734"/>
-            <a:ext cx="2579053" cy="0"/>
+            <a:off x="6400876" y="3969256"/>
+            <a:ext cx="2933075" cy="0"/>
           </a:xfrm>
           <a:prstGeom prst="straightConnector1">
             <a:avLst/>
@@ -5602,7 +5586,7 @@
         </p:nvSpPr>
         <p:spPr>
           <a:xfrm>
-            <a:off x="6864915" y="3798328"/>
+            <a:off x="6912513" y="3746956"/>
             <a:ext cx="1541418" cy="215444"/>
           </a:xfrm>
           <a:prstGeom prst="rect">
@@ -5628,12 +5612,8 @@
           </a:lstStyle>
           <a:p>
             <a:r>
-              <a:rPr lang="en-US" dirty="0" err="1"/>
-              <a:t>generateData</a:t>
-            </a:r>
-            <a:r>
               <a:rPr lang="en-US" dirty="0"/>
-              <a:t>()</a:t>
+              <a:t>generateData()</a:t>
             </a:r>
           </a:p>
         </p:txBody>
@@ -5652,7 +5632,7 @@
         </p:nvSpPr>
         <p:spPr>
           <a:xfrm>
-            <a:off x="8982944" y="4009635"/>
+            <a:off x="9325176" y="3969256"/>
             <a:ext cx="164533" cy="701579"/>
           </a:xfrm>
           <a:prstGeom prst="rect">
@@ -5707,8 +5687,8 @@
         </p:nvCxnSpPr>
         <p:spPr>
           <a:xfrm>
-            <a:off x="6400876" y="4800600"/>
-            <a:ext cx="4067421" cy="0"/>
+            <a:off x="6340286" y="5055895"/>
+            <a:ext cx="4149421" cy="0"/>
           </a:xfrm>
           <a:prstGeom prst="straightConnector1">
             <a:avLst/>
@@ -5749,8 +5729,8 @@
         </p:nvSpPr>
         <p:spPr>
           <a:xfrm>
-            <a:off x="11108367" y="4905273"/>
-            <a:ext cx="180229" cy="335428"/>
+            <a:off x="11144179" y="5060129"/>
+            <a:ext cx="168492" cy="551143"/>
           </a:xfrm>
           <a:prstGeom prst="rect">
             <a:avLst/>
@@ -5788,6 +5768,151 @@
           </a:p>
         </p:txBody>
       </p:sp>
+      <p:sp>
+        <p:nvSpPr>
+          <p:cNvPr id="57" name="TextBox 56">
+            <a:extLst>
+              <a:ext uri="{FF2B5EF4-FFF2-40B4-BE49-F238E27FC236}">
+                <a16:creationId xmlns:a16="http://schemas.microsoft.com/office/drawing/2014/main" id="{9035A39A-9E3F-4E0E-91BC-A78847CC8648}"/>
+              </a:ext>
+            </a:extLst>
+          </p:cNvPr>
+          <p:cNvSpPr txBox="1"/>
+          <p:nvPr/>
+        </p:nvSpPr>
+        <p:spPr>
+          <a:xfrm>
+            <a:off x="3530239" y="1330919"/>
+            <a:ext cx="1899551" cy="215444"/>
+          </a:xfrm>
+          <a:prstGeom prst="rect">
+            <a:avLst/>
+          </a:prstGeom>
+          <a:noFill/>
+        </p:spPr>
+        <p:txBody>
+          <a:bodyPr wrap="square" lIns="0" tIns="0" rIns="0" bIns="0" rtlCol="0">
+            <a:spAutoFit/>
+          </a:bodyPr>
+          <a:lstStyle>
+            <a:defPPr>
+              <a:defRPr lang="en-US"/>
+            </a:defPPr>
+            <a:lvl1pPr algn="r">
+              <a:defRPr sz="1400">
+                <a:solidFill>
+                  <a:srgbClr val="0070C0"/>
+                </a:solidFill>
+              </a:defRPr>
+            </a:lvl1pPr>
+          </a:lstStyle>
+          <a:p>
+            <a:r>
+              <a:rPr lang="en-US" dirty="0"/>
+              <a:t>statsCommand()</a:t>
+            </a:r>
+          </a:p>
+        </p:txBody>
+      </p:sp>
+      <p:sp>
+        <p:nvSpPr>
+          <p:cNvPr id="68" name="TextBox 67">
+            <a:extLst>
+              <a:ext uri="{FF2B5EF4-FFF2-40B4-BE49-F238E27FC236}">
+                <a16:creationId xmlns:a16="http://schemas.microsoft.com/office/drawing/2014/main" id="{3D865A49-FD04-4B32-ACDE-8ACB21DF7AA0}"/>
+              </a:ext>
+            </a:extLst>
+          </p:cNvPr>
+          <p:cNvSpPr txBox="1"/>
+          <p:nvPr/>
+        </p:nvSpPr>
+        <p:spPr>
+          <a:xfrm>
+            <a:off x="6880106" y="4856268"/>
+            <a:ext cx="1541418" cy="215444"/>
+          </a:xfrm>
+          <a:prstGeom prst="rect">
+            <a:avLst/>
+          </a:prstGeom>
+          <a:noFill/>
+        </p:spPr>
+        <p:txBody>
+          <a:bodyPr wrap="square" lIns="0" tIns="0" rIns="0" bIns="0" rtlCol="0">
+            <a:spAutoFit/>
+          </a:bodyPr>
+          <a:lstStyle>
+            <a:defPPr>
+              <a:defRPr lang="en-US"/>
+            </a:defPPr>
+            <a:lvl1pPr algn="r">
+              <a:defRPr sz="1400">
+                <a:solidFill>
+                  <a:srgbClr val="0070C0"/>
+                </a:solidFill>
+              </a:defRPr>
+            </a:lvl1pPr>
+          </a:lstStyle>
+          <a:p>
+            <a:r>
+              <a:rPr lang="en-US" dirty="0"/>
+              <a:t>StatisticsView()</a:t>
+            </a:r>
+          </a:p>
+        </p:txBody>
+      </p:sp>
+      <p:sp>
+        <p:nvSpPr>
+          <p:cNvPr id="70" name="Rectangle 69">
+            <a:extLst>
+              <a:ext uri="{FF2B5EF4-FFF2-40B4-BE49-F238E27FC236}">
+                <a16:creationId xmlns:a16="http://schemas.microsoft.com/office/drawing/2014/main" id="{436FDA33-8287-4103-899C-439B177D8848}"/>
+              </a:ext>
+            </a:extLst>
+          </p:cNvPr>
+          <p:cNvSpPr/>
+          <p:nvPr/>
+        </p:nvSpPr>
+        <p:spPr>
+          <a:xfrm>
+            <a:off x="11315227" y="5212529"/>
+            <a:ext cx="85940" cy="211170"/>
+          </a:xfrm>
+          <a:prstGeom prst="rect">
+            <a:avLst/>
+          </a:prstGeom>
+          <a:solidFill>
+            <a:srgbClr val="92D050"/>
+          </a:solidFill>
+          <a:ln>
+            <a:solidFill>
+              <a:srgbClr val="92D050"/>
+            </a:solidFill>
+          </a:ln>
+          <a:effectLst/>
+        </p:spPr>
+        <p:style>
+          <a:lnRef idx="1">
+            <a:schemeClr val="accent3"/>
+          </a:lnRef>
+          <a:fillRef idx="2">
+            <a:schemeClr val="accent3"/>
+          </a:fillRef>
+          <a:effectRef idx="1">
+            <a:schemeClr val="accent3"/>
+          </a:effectRef>
+          <a:fontRef idx="minor">
+            <a:schemeClr val="dk1"/>
+          </a:fontRef>
+        </p:style>
+        <p:txBody>
+          <a:bodyPr rtlCol="0" anchor="ctr"/>
+          <a:lstStyle/>
+          <a:p>
+            <a:pPr algn="ctr"/>
+            <a:endParaRPr lang="en-SG" sz="1400"/>
+          </a:p>
+        </p:txBody>
+      </p:sp>
       <p:cxnSp>
         <p:nvCxnSpPr>
           <p:cNvPr id="88" name="Curved Connector 12">
@@ -5804,7 +5929,7 @@
         </p:nvCxnSpPr>
         <p:spPr>
           <a:xfrm>
-            <a:off x="11257893" y="4937167"/>
+            <a:off x="11295213" y="5105827"/>
             <a:ext cx="72937" cy="109922"/>
           </a:xfrm>
           <a:prstGeom prst="curvedConnector3">
@@ -5818,6 +5943,53 @@
                 <a:lumMod val="50000"/>
               </a:schemeClr>
             </a:solidFill>
+            <a:tailEnd type="triangle"/>
+          </a:ln>
+        </p:spPr>
+        <p:style>
+          <a:lnRef idx="1">
+            <a:schemeClr val="accent1"/>
+          </a:lnRef>
+          <a:fillRef idx="0">
+            <a:schemeClr val="accent1"/>
+          </a:fillRef>
+          <a:effectRef idx="0">
+            <a:schemeClr val="accent1"/>
+          </a:effectRef>
+          <a:fontRef idx="minor">
+            <a:schemeClr val="tx1"/>
+          </a:fontRef>
+        </p:style>
+      </p:cxnSp>
+      <p:cxnSp>
+        <p:nvCxnSpPr>
+          <p:cNvPr id="73" name="Curved Connector 12">
+            <a:extLst>
+              <a:ext uri="{FF2B5EF4-FFF2-40B4-BE49-F238E27FC236}">
+                <a16:creationId xmlns:a16="http://schemas.microsoft.com/office/drawing/2014/main" id="{5B09C6A8-9ED8-464C-98AD-5EACA3A3F981}"/>
+              </a:ext>
+            </a:extLst>
+          </p:cNvPr>
+          <p:cNvCxnSpPr>
+            <a:cxnSpLocks/>
+          </p:cNvCxnSpPr>
+          <p:nvPr/>
+        </p:nvCxnSpPr>
+        <p:spPr>
+          <a:xfrm flipH="1">
+            <a:off x="11317617" y="5423699"/>
+            <a:ext cx="80994" cy="147447"/>
+          </a:xfrm>
+          <a:prstGeom prst="curvedConnector3">
+            <a:avLst>
+              <a:gd name="adj1" fmla="val -313352"/>
+            </a:avLst>
+          </a:prstGeom>
+          <a:ln>
+            <a:solidFill>
+              <a:srgbClr val="7030A0"/>
+            </a:solidFill>
+            <a:prstDash val="sysDash"/>
             <a:tailEnd type="triangle"/>
           </a:ln>
         </p:spPr>

--- a/docs/diagrams/StatsSequenceDiagram.pptx
+++ b/docs/diagrams/StatsSequenceDiagram.pptx
@@ -208,7 +208,7 @@
           <a:p>
             <a:fld id="{F5CC4B3F-88C1-4FFA-B1B6-F41C21DC6924}" type="datetimeFigureOut">
               <a:rPr lang="en-US" smtClean="0"/>
-              <a:t>4/13/2019</a:t>
+              <a:t>4/15/2019</a:t>
             </a:fld>
             <a:endParaRPr lang="en-US"/>
           </a:p>
@@ -755,7 +755,7 @@
           <a:p>
             <a:fld id="{78C97017-6FC3-485B-9764-EAC9E56C1D49}" type="datetimeFigureOut">
               <a:rPr lang="en-US" smtClean="0"/>
-              <a:t>4/13/2019</a:t>
+              <a:t>4/15/2019</a:t>
             </a:fld>
             <a:endParaRPr lang="en-US"/>
           </a:p>
@@ -923,7 +923,7 @@
           <a:p>
             <a:fld id="{78C97017-6FC3-485B-9764-EAC9E56C1D49}" type="datetimeFigureOut">
               <a:rPr lang="en-US" smtClean="0"/>
-              <a:t>4/13/2019</a:t>
+              <a:t>4/15/2019</a:t>
             </a:fld>
             <a:endParaRPr lang="en-US"/>
           </a:p>
@@ -1101,7 +1101,7 @@
           <a:p>
             <a:fld id="{78C97017-6FC3-485B-9764-EAC9E56C1D49}" type="datetimeFigureOut">
               <a:rPr lang="en-US" smtClean="0"/>
-              <a:t>4/13/2019</a:t>
+              <a:t>4/15/2019</a:t>
             </a:fld>
             <a:endParaRPr lang="en-US"/>
           </a:p>
@@ -1269,7 +1269,7 @@
           <a:p>
             <a:fld id="{78C97017-6FC3-485B-9764-EAC9E56C1D49}" type="datetimeFigureOut">
               <a:rPr lang="en-US" smtClean="0"/>
-              <a:t>4/13/2019</a:t>
+              <a:t>4/15/2019</a:t>
             </a:fld>
             <a:endParaRPr lang="en-US"/>
           </a:p>
@@ -1514,7 +1514,7 @@
           <a:p>
             <a:fld id="{78C97017-6FC3-485B-9764-EAC9E56C1D49}" type="datetimeFigureOut">
               <a:rPr lang="en-US" smtClean="0"/>
-              <a:t>4/13/2019</a:t>
+              <a:t>4/15/2019</a:t>
             </a:fld>
             <a:endParaRPr lang="en-US"/>
           </a:p>
@@ -1799,7 +1799,7 @@
           <a:p>
             <a:fld id="{78C97017-6FC3-485B-9764-EAC9E56C1D49}" type="datetimeFigureOut">
               <a:rPr lang="en-US" smtClean="0"/>
-              <a:t>4/13/2019</a:t>
+              <a:t>4/15/2019</a:t>
             </a:fld>
             <a:endParaRPr lang="en-US"/>
           </a:p>
@@ -2218,7 +2218,7 @@
           <a:p>
             <a:fld id="{78C97017-6FC3-485B-9764-EAC9E56C1D49}" type="datetimeFigureOut">
               <a:rPr lang="en-US" smtClean="0"/>
-              <a:t>4/13/2019</a:t>
+              <a:t>4/15/2019</a:t>
             </a:fld>
             <a:endParaRPr lang="en-US"/>
           </a:p>
@@ -2335,7 +2335,7 @@
           <a:p>
             <a:fld id="{78C97017-6FC3-485B-9764-EAC9E56C1D49}" type="datetimeFigureOut">
               <a:rPr lang="en-US" smtClean="0"/>
-              <a:t>4/13/2019</a:t>
+              <a:t>4/15/2019</a:t>
             </a:fld>
             <a:endParaRPr lang="en-US"/>
           </a:p>
@@ -2430,7 +2430,7 @@
           <a:p>
             <a:fld id="{78C97017-6FC3-485B-9764-EAC9E56C1D49}" type="datetimeFigureOut">
               <a:rPr lang="en-US" smtClean="0"/>
-              <a:t>4/13/2019</a:t>
+              <a:t>4/15/2019</a:t>
             </a:fld>
             <a:endParaRPr lang="en-US"/>
           </a:p>
@@ -2705,7 +2705,7 @@
           <a:p>
             <a:fld id="{78C97017-6FC3-485B-9764-EAC9E56C1D49}" type="datetimeFigureOut">
               <a:rPr lang="en-US" smtClean="0"/>
-              <a:t>4/13/2019</a:t>
+              <a:t>4/15/2019</a:t>
             </a:fld>
             <a:endParaRPr lang="en-US"/>
           </a:p>
@@ -2957,7 +2957,7 @@
           <a:p>
             <a:fld id="{78C97017-6FC3-485B-9764-EAC9E56C1D49}" type="datetimeFigureOut">
               <a:rPr lang="en-US" smtClean="0"/>
-              <a:t>4/13/2019</a:t>
+              <a:t>4/15/2019</a:t>
             </a:fld>
             <a:endParaRPr lang="en-US"/>
           </a:p>
@@ -3168,7 +3168,7 @@
           <a:p>
             <a:fld id="{78C97017-6FC3-485B-9764-EAC9E56C1D49}" type="datetimeFigureOut">
               <a:rPr lang="en-US" smtClean="0"/>
-              <a:t>4/13/2019</a:t>
+              <a:t>4/15/2019</a:t>
             </a:fld>
             <a:endParaRPr lang="en-US"/>
           </a:p>
@@ -3925,37 +3925,32 @@
           <a:p>
             <a:pPr algn="ctr"/>
             <a:r>
-              <a:rPr lang="en-US" sz="1600" dirty="0">
+              <a:rPr lang="en-US" sz="1600">
                 <a:solidFill>
                   <a:schemeClr val="bg1"/>
                 </a:solidFill>
-                <a:highlight>
-                  <a:srgbClr val="FF0000"/>
-                </a:highlight>
               </a:rPr>
-              <a:t>:Address</a:t>
-            </a:r>
-          </a:p>
-          <a:p>
-            <a:pPr algn="ctr"/>
-            <a:r>
-              <a:rPr lang="en-US" sz="1600" dirty="0">
+              <a:t>:Battleship</a:t>
+            </a:r>
+            <a:br>
+              <a:rPr lang="en-US" sz="1600">
                 <a:solidFill>
                   <a:schemeClr val="bg1"/>
                 </a:solidFill>
-                <a:highlight>
-                  <a:srgbClr val="FF0000"/>
-                </a:highlight>
               </a:rPr>
-              <a:t>BookParser</a:t>
+            </a:br>
+            <a:r>
+              <a:rPr lang="en-US" sz="1600">
+                <a:solidFill>
+                  <a:schemeClr val="bg1"/>
+                </a:solidFill>
+              </a:rPr>
+              <a:t>Parser</a:t>
             </a:r>
             <a:endParaRPr lang="en-SG" sz="1600" dirty="0">
               <a:solidFill>
                 <a:schemeClr val="bg1"/>
               </a:solidFill>
-              <a:highlight>
-                <a:srgbClr val="FF0000"/>
-              </a:highlight>
             </a:endParaRPr>
           </a:p>
         </p:txBody>

--- a/docs/diagrams/StatsSequenceDiagram.pptx
+++ b/docs/diagrams/StatsSequenceDiagram.pptx
@@ -3557,7 +3557,7 @@
         </p:nvSpPr>
         <p:spPr>
           <a:xfrm>
-            <a:off x="10309279" y="170812"/>
+            <a:off x="11254473" y="129774"/>
             <a:ext cx="1926183" cy="6582967"/>
           </a:xfrm>
           <a:prstGeom prst="roundRect">
@@ -3622,7 +3622,7 @@
         </p:nvSpPr>
         <p:spPr>
           <a:xfrm>
-            <a:off x="8525426" y="145258"/>
+            <a:off x="9470620" y="104220"/>
             <a:ext cx="1710363" cy="6649559"/>
           </a:xfrm>
           <a:prstGeom prst="roundRect">
@@ -3683,7 +3683,7 @@
         </p:nvSpPr>
         <p:spPr>
           <a:xfrm>
-            <a:off x="543087" y="145258"/>
+            <a:off x="1488281" y="104220"/>
             <a:ext cx="7938149" cy="6649559"/>
           </a:xfrm>
           <a:prstGeom prst="roundRect">
@@ -3744,7 +3744,7 @@
         </p:nvSpPr>
         <p:spPr>
           <a:xfrm>
-            <a:off x="902709" y="679193"/>
+            <a:off x="1847903" y="638155"/>
             <a:ext cx="1455628" cy="346760"/>
           </a:xfrm>
           <a:prstGeom prst="rect">
@@ -3805,7 +3805,7 @@
         </p:nvCxnSpPr>
         <p:spPr>
           <a:xfrm>
-            <a:off x="1710911" y="1017442"/>
+            <a:off x="2656105" y="976404"/>
             <a:ext cx="0" cy="6196131"/>
           </a:xfrm>
           <a:prstGeom prst="line">
@@ -3842,7 +3842,7 @@
         </p:nvSpPr>
         <p:spPr>
           <a:xfrm>
-            <a:off x="1558505" y="1393563"/>
+            <a:off x="2503699" y="1352525"/>
             <a:ext cx="250405" cy="5255199"/>
           </a:xfrm>
           <a:prstGeom prst="rect">
@@ -3889,7 +3889,7 @@
         </p:nvSpPr>
         <p:spPr>
           <a:xfrm>
-            <a:off x="3456747" y="558268"/>
+            <a:off x="4401941" y="517230"/>
             <a:ext cx="1219200" cy="467684"/>
           </a:xfrm>
           <a:prstGeom prst="rect">
@@ -3965,7 +3965,7 @@
         </p:nvCxnSpPr>
         <p:spPr>
           <a:xfrm flipH="1">
-            <a:off x="4045712" y="1042867"/>
+            <a:off x="4990906" y="1001829"/>
             <a:ext cx="24431" cy="6348533"/>
           </a:xfrm>
           <a:prstGeom prst="line">
@@ -4002,7 +4002,7 @@
         </p:nvSpPr>
         <p:spPr>
           <a:xfrm>
-            <a:off x="3959079" y="1447800"/>
+            <a:off x="4904273" y="1406762"/>
             <a:ext cx="173266" cy="1048482"/>
           </a:xfrm>
           <a:prstGeom prst="rect">
@@ -4051,7 +4051,7 @@
         </p:nvCxnSpPr>
         <p:spPr>
           <a:xfrm flipH="1">
-            <a:off x="6356376" y="1674002"/>
+            <a:off x="7301570" y="1632964"/>
             <a:ext cx="1002" cy="1389502"/>
           </a:xfrm>
           <a:prstGeom prst="line">
@@ -4088,7 +4088,7 @@
         </p:nvSpPr>
         <p:spPr>
           <a:xfrm>
-            <a:off x="6290634" y="1668091"/>
+            <a:off x="7235828" y="1627053"/>
             <a:ext cx="138706" cy="357144"/>
           </a:xfrm>
           <a:prstGeom prst="rect">
@@ -4137,7 +4137,7 @@
         </p:nvCxnSpPr>
         <p:spPr>
           <a:xfrm>
-            <a:off x="438669" y="1397245"/>
+            <a:off x="1383863" y="1356207"/>
             <a:ext cx="1119851" cy="0"/>
           </a:xfrm>
           <a:prstGeom prst="straightConnector1">
@@ -4173,7 +4173,7 @@
         </p:nvSpPr>
         <p:spPr>
           <a:xfrm>
-            <a:off x="159441" y="1125847"/>
+            <a:off x="1104635" y="1084809"/>
             <a:ext cx="1323065" cy="215444"/>
           </a:xfrm>
           <a:prstGeom prst="rect">
@@ -4209,7 +4209,7 @@
         </p:nvCxnSpPr>
         <p:spPr>
           <a:xfrm flipV="1">
-            <a:off x="4143936" y="1520174"/>
+            <a:off x="5089130" y="1479136"/>
             <a:ext cx="1397357" cy="212"/>
           </a:xfrm>
           <a:prstGeom prst="straightConnector1">
@@ -4245,7 +4245,7 @@
         </p:nvSpPr>
         <p:spPr>
           <a:xfrm>
-            <a:off x="4518188" y="2697782"/>
+            <a:off x="5463382" y="2656744"/>
             <a:ext cx="855808" cy="215444"/>
           </a:xfrm>
           <a:prstGeom prst="rect">
@@ -4287,7 +4287,7 @@
         </p:nvCxnSpPr>
         <p:spPr>
           <a:xfrm>
-            <a:off x="4124459" y="2007727"/>
+            <a:off x="5069653" y="1966689"/>
             <a:ext cx="2155501" cy="0"/>
           </a:xfrm>
           <a:prstGeom prst="straightConnector1">
@@ -4327,7 +4327,7 @@
         </p:nvCxnSpPr>
         <p:spPr>
           <a:xfrm>
-            <a:off x="1710911" y="2496282"/>
+            <a:off x="2656105" y="2455244"/>
             <a:ext cx="2270334" cy="0"/>
           </a:xfrm>
           <a:prstGeom prst="straightConnector1">
@@ -4367,7 +4367,7 @@
         </p:nvCxnSpPr>
         <p:spPr>
           <a:xfrm>
-            <a:off x="400568" y="6623039"/>
+            <a:off x="1345762" y="6582001"/>
             <a:ext cx="1196051" cy="0"/>
           </a:xfrm>
           <a:prstGeom prst="straightConnector1">
@@ -4405,7 +4405,7 @@
         </p:nvSpPr>
         <p:spPr>
           <a:xfrm>
-            <a:off x="1904756" y="1241398"/>
+            <a:off x="2849950" y="1200360"/>
             <a:ext cx="1899551" cy="215444"/>
           </a:xfrm>
           <a:prstGeom prst="rect">
@@ -4445,7 +4445,7 @@
         </p:nvSpPr>
         <p:spPr>
           <a:xfrm>
-            <a:off x="10498019" y="4770400"/>
+            <a:off x="11443213" y="4729362"/>
             <a:ext cx="1475876" cy="335427"/>
           </a:xfrm>
           <a:prstGeom prst="rect">
@@ -4486,15 +4486,7 @@
                   <a:schemeClr val="tx1"/>
                 </a:solidFill>
               </a:rPr>
-              <a:t>:</a:t>
-            </a:r>
-            <a:r>
-              <a:rPr lang="en-US" sz="1600" dirty="0" err="1">
-                <a:solidFill>
-                  <a:schemeClr val="tx1"/>
-                </a:solidFill>
-              </a:rPr>
-              <a:t>StatisticView</a:t>
+              <a:t>:StatisticView</a:t>
             </a:r>
             <a:endParaRPr lang="en-SG" sz="1600" dirty="0">
               <a:solidFill>
@@ -4512,7 +4504,7 @@
         </p:nvSpPr>
         <p:spPr>
           <a:xfrm>
-            <a:off x="8642823" y="2505324"/>
+            <a:off x="9588017" y="2464286"/>
             <a:ext cx="1532257" cy="269018"/>
           </a:xfrm>
           <a:prstGeom prst="rect">
@@ -4573,7 +4565,7 @@
         </p:nvCxnSpPr>
         <p:spPr>
           <a:xfrm flipH="1">
-            <a:off x="9398415" y="2713286"/>
+            <a:off x="10343609" y="2672248"/>
             <a:ext cx="9028" cy="4373314"/>
           </a:xfrm>
           <a:prstGeom prst="line">
@@ -4610,7 +4602,7 @@
         </p:nvSpPr>
         <p:spPr>
           <a:xfrm>
-            <a:off x="9344038" y="3276600"/>
+            <a:off x="10289232" y="3235562"/>
             <a:ext cx="179136" cy="414827"/>
           </a:xfrm>
           <a:prstGeom prst="rect">
@@ -4659,7 +4651,7 @@
         </p:nvCxnSpPr>
         <p:spPr>
           <a:xfrm>
-            <a:off x="6441281" y="3276599"/>
+            <a:off x="7386475" y="3235561"/>
             <a:ext cx="2937036" cy="10820"/>
           </a:xfrm>
           <a:prstGeom prst="straightConnector1">
@@ -4695,7 +4687,7 @@
         </p:nvSpPr>
         <p:spPr>
           <a:xfrm>
-            <a:off x="5552884" y="1316853"/>
+            <a:off x="6498078" y="1275815"/>
             <a:ext cx="1650371" cy="357143"/>
           </a:xfrm>
           <a:prstGeom prst="rect">
@@ -4762,7 +4754,7 @@
         </p:nvCxnSpPr>
         <p:spPr>
           <a:xfrm>
-            <a:off x="1672518" y="2890740"/>
+            <a:off x="2617712" y="2849702"/>
             <a:ext cx="4607442" cy="0"/>
           </a:xfrm>
           <a:prstGeom prst="straightConnector1">
@@ -4806,7 +4798,7 @@
         </p:nvCxnSpPr>
         <p:spPr>
           <a:xfrm flipV="1">
-            <a:off x="1793559" y="1449203"/>
+            <a:off x="2738753" y="1408165"/>
             <a:ext cx="2193656" cy="15114"/>
           </a:xfrm>
           <a:prstGeom prst="straightConnector1">
@@ -4850,7 +4842,7 @@
         </p:nvCxnSpPr>
         <p:spPr>
           <a:xfrm>
-            <a:off x="6469487" y="6321781"/>
+            <a:off x="7414681" y="6280743"/>
             <a:ext cx="1236429" cy="0"/>
           </a:xfrm>
           <a:prstGeom prst="straightConnector1">
@@ -4897,7 +4889,7 @@
         </p:nvCxnSpPr>
         <p:spPr>
           <a:xfrm flipH="1">
-            <a:off x="11228008" y="5105827"/>
+            <a:off x="12173202" y="5064789"/>
             <a:ext cx="7949" cy="2121036"/>
           </a:xfrm>
           <a:prstGeom prst="line">
@@ -4934,7 +4926,7 @@
         </p:nvSpPr>
         <p:spPr>
           <a:xfrm>
-            <a:off x="11603336" y="5172875"/>
+            <a:off x="12548530" y="5131837"/>
             <a:ext cx="1157705" cy="184666"/>
           </a:xfrm>
           <a:prstGeom prst="rect">
@@ -4992,7 +4984,7 @@
         </p:nvCxnSpPr>
         <p:spPr>
           <a:xfrm>
-            <a:off x="6453028" y="5571146"/>
+            <a:off x="7398222" y="5530108"/>
             <a:ext cx="4718143" cy="24077"/>
           </a:xfrm>
           <a:prstGeom prst="straightConnector1">
@@ -5033,7 +5025,7 @@
         </p:nvSpPr>
         <p:spPr>
           <a:xfrm>
-            <a:off x="6267047" y="2890739"/>
+            <a:off x="7212241" y="2849701"/>
             <a:ext cx="193342" cy="3584051"/>
           </a:xfrm>
           <a:prstGeom prst="rect">
@@ -5086,7 +5078,7 @@
         </p:nvSpPr>
         <p:spPr>
           <a:xfrm>
-            <a:off x="6211085" y="6492298"/>
+            <a:off x="7156279" y="6451260"/>
             <a:ext cx="258402" cy="261482"/>
           </a:xfrm>
           <a:prstGeom prst="rect">
@@ -5125,7 +5117,7 @@
         </p:nvSpPr>
         <p:spPr>
           <a:xfrm>
-            <a:off x="6893169" y="3017243"/>
+            <a:off x="7838363" y="2976205"/>
             <a:ext cx="1541418" cy="215444"/>
           </a:xfrm>
           <a:prstGeom prst="rect">
@@ -5173,7 +5165,7 @@
         </p:nvCxnSpPr>
         <p:spPr>
           <a:xfrm>
-            <a:off x="6453028" y="4670835"/>
+            <a:off x="7398222" y="4629797"/>
             <a:ext cx="2872148" cy="0"/>
           </a:xfrm>
           <a:prstGeom prst="straightConnector1">
@@ -5219,7 +5211,7 @@
         </p:nvCxnSpPr>
         <p:spPr>
           <a:xfrm>
-            <a:off x="6440015" y="3693907"/>
+            <a:off x="7385209" y="3652869"/>
             <a:ext cx="2960448" cy="1"/>
           </a:xfrm>
           <a:prstGeom prst="straightConnector1">
@@ -5263,7 +5255,7 @@
         </p:nvGrpSpPr>
         <p:grpSpPr>
           <a:xfrm>
-            <a:off x="6340118" y="5603229"/>
+            <a:off x="7285312" y="5562191"/>
             <a:ext cx="2098168" cy="1045533"/>
             <a:chOff x="13876547" y="5116008"/>
             <a:chExt cx="2098168" cy="1045533"/>
@@ -5449,7 +5441,7 @@
         </p:nvCxnSpPr>
         <p:spPr>
           <a:xfrm>
-            <a:off x="6429340" y="5939802"/>
+            <a:off x="7374534" y="5898764"/>
             <a:ext cx="389487" cy="0"/>
           </a:xfrm>
           <a:prstGeom prst="straightConnector1">
@@ -5493,7 +5485,7 @@
         </p:nvCxnSpPr>
         <p:spPr>
           <a:xfrm>
-            <a:off x="1793081" y="6467988"/>
+            <a:off x="2738275" y="6426950"/>
             <a:ext cx="4534710" cy="6802"/>
           </a:xfrm>
           <a:prstGeom prst="straightConnector1">
@@ -5539,7 +5531,7 @@
         </p:nvCxnSpPr>
         <p:spPr>
           <a:xfrm>
-            <a:off x="6400876" y="3969256"/>
+            <a:off x="7346070" y="3928218"/>
             <a:ext cx="2933075" cy="0"/>
           </a:xfrm>
           <a:prstGeom prst="straightConnector1">
@@ -5581,7 +5573,7 @@
         </p:nvSpPr>
         <p:spPr>
           <a:xfrm>
-            <a:off x="6912513" y="3746956"/>
+            <a:off x="7857707" y="3705918"/>
             <a:ext cx="1541418" cy="215444"/>
           </a:xfrm>
           <a:prstGeom prst="rect">
@@ -5627,7 +5619,7 @@
         </p:nvSpPr>
         <p:spPr>
           <a:xfrm>
-            <a:off x="9325176" y="3969256"/>
+            <a:off x="10270370" y="3928218"/>
             <a:ext cx="164533" cy="701579"/>
           </a:xfrm>
           <a:prstGeom prst="rect">
@@ -5682,7 +5674,7 @@
         </p:nvCxnSpPr>
         <p:spPr>
           <a:xfrm>
-            <a:off x="6340286" y="5055895"/>
+            <a:off x="7285480" y="5014857"/>
             <a:ext cx="4149421" cy="0"/>
           </a:xfrm>
           <a:prstGeom prst="straightConnector1">
@@ -5724,7 +5716,7 @@
         </p:nvSpPr>
         <p:spPr>
           <a:xfrm>
-            <a:off x="11144179" y="5060129"/>
+            <a:off x="12089373" y="5019091"/>
             <a:ext cx="168492" cy="551143"/>
           </a:xfrm>
           <a:prstGeom prst="rect">
@@ -5777,7 +5769,7 @@
         </p:nvSpPr>
         <p:spPr>
           <a:xfrm>
-            <a:off x="3530239" y="1330919"/>
+            <a:off x="4475433" y="1289881"/>
             <a:ext cx="1899551" cy="215444"/>
           </a:xfrm>
           <a:prstGeom prst="rect">
@@ -5823,7 +5815,7 @@
         </p:nvSpPr>
         <p:spPr>
           <a:xfrm>
-            <a:off x="6880106" y="4856268"/>
+            <a:off x="7825300" y="4815230"/>
             <a:ext cx="1541418" cy="215444"/>
           </a:xfrm>
           <a:prstGeom prst="rect">
@@ -5869,7 +5861,7 @@
         </p:nvSpPr>
         <p:spPr>
           <a:xfrm>
-            <a:off x="11315227" y="5212529"/>
+            <a:off x="12260421" y="5171491"/>
             <a:ext cx="85940" cy="211170"/>
           </a:xfrm>
           <a:prstGeom prst="rect">
@@ -5924,7 +5916,7 @@
         </p:nvCxnSpPr>
         <p:spPr>
           <a:xfrm>
-            <a:off x="11295213" y="5105827"/>
+            <a:off x="12240407" y="5064789"/>
             <a:ext cx="72937" cy="109922"/>
           </a:xfrm>
           <a:prstGeom prst="curvedConnector3">
@@ -5972,7 +5964,7 @@
         </p:nvCxnSpPr>
         <p:spPr>
           <a:xfrm flipH="1">
-            <a:off x="11317617" y="5423699"/>
+            <a:off x="12262811" y="5382661"/>
             <a:ext cx="80994" cy="147447"/>
           </a:xfrm>
           <a:prstGeom prst="curvedConnector3">
@@ -5982,7 +5974,9 @@
           </a:prstGeom>
           <a:ln>
             <a:solidFill>
-              <a:srgbClr val="7030A0"/>
+              <a:schemeClr val="accent3">
+                <a:lumMod val="50000"/>
+              </a:schemeClr>
             </a:solidFill>
             <a:prstDash val="sysDash"/>
             <a:tailEnd type="triangle"/>
